--- a/english project.pptx
+++ b/english project.pptx
@@ -586,7 +586,7 @@
           <a:p>
             <a:fld id="{0B43CA13-69D8-4C5A-94D4-D9BC37270C43}" type="datetimeFigureOut">
               <a:rPr lang="en-IN" smtClean="0"/>
-              <a:t>01-02-2024</a:t>
+              <a:t>05-02-2024</a:t>
             </a:fld>
             <a:endParaRPr lang="en-IN" dirty="0"/>
           </a:p>
@@ -1003,7 +1003,7 @@
           <a:p>
             <a:fld id="{24A32483-3E88-4A87-96FF-B254A1CB4DE5}" type="datetimeFigureOut">
               <a:rPr lang="en-IN" smtClean="0"/>
-              <a:t>01-02-2024</a:t>
+              <a:t>05-02-2024</a:t>
             </a:fld>
             <a:endParaRPr lang="en-IN" dirty="0"/>
           </a:p>
@@ -1203,7 +1203,7 @@
           <a:p>
             <a:fld id="{24A32483-3E88-4A87-96FF-B254A1CB4DE5}" type="datetimeFigureOut">
               <a:rPr lang="en-IN" smtClean="0"/>
-              <a:t>01-02-2024</a:t>
+              <a:t>05-02-2024</a:t>
             </a:fld>
             <a:endParaRPr lang="en-IN" dirty="0"/>
           </a:p>
@@ -1413,7 +1413,7 @@
           <a:p>
             <a:fld id="{24A32483-3E88-4A87-96FF-B254A1CB4DE5}" type="datetimeFigureOut">
               <a:rPr lang="en-IN" smtClean="0"/>
-              <a:t>01-02-2024</a:t>
+              <a:t>05-02-2024</a:t>
             </a:fld>
             <a:endParaRPr lang="en-IN" dirty="0"/>
           </a:p>
@@ -1613,7 +1613,7 @@
           <a:p>
             <a:fld id="{24A32483-3E88-4A87-96FF-B254A1CB4DE5}" type="datetimeFigureOut">
               <a:rPr lang="en-IN" smtClean="0"/>
-              <a:t>01-02-2024</a:t>
+              <a:t>05-02-2024</a:t>
             </a:fld>
             <a:endParaRPr lang="en-IN" dirty="0"/>
           </a:p>
@@ -1889,7 +1889,7 @@
           <a:p>
             <a:fld id="{24A32483-3E88-4A87-96FF-B254A1CB4DE5}" type="datetimeFigureOut">
               <a:rPr lang="en-IN" smtClean="0"/>
-              <a:t>01-02-2024</a:t>
+              <a:t>05-02-2024</a:t>
             </a:fld>
             <a:endParaRPr lang="en-IN" dirty="0"/>
           </a:p>
@@ -2157,7 +2157,7 @@
           <a:p>
             <a:fld id="{24A32483-3E88-4A87-96FF-B254A1CB4DE5}" type="datetimeFigureOut">
               <a:rPr lang="en-IN" smtClean="0"/>
-              <a:t>01-02-2024</a:t>
+              <a:t>05-02-2024</a:t>
             </a:fld>
             <a:endParaRPr lang="en-IN" dirty="0"/>
           </a:p>
@@ -2572,7 +2572,7 @@
           <a:p>
             <a:fld id="{24A32483-3E88-4A87-96FF-B254A1CB4DE5}" type="datetimeFigureOut">
               <a:rPr lang="en-IN" smtClean="0"/>
-              <a:t>01-02-2024</a:t>
+              <a:t>05-02-2024</a:t>
             </a:fld>
             <a:endParaRPr lang="en-IN" dirty="0"/>
           </a:p>
@@ -2714,7 +2714,7 @@
           <a:p>
             <a:fld id="{24A32483-3E88-4A87-96FF-B254A1CB4DE5}" type="datetimeFigureOut">
               <a:rPr lang="en-IN" smtClean="0"/>
-              <a:t>01-02-2024</a:t>
+              <a:t>05-02-2024</a:t>
             </a:fld>
             <a:endParaRPr lang="en-IN" dirty="0"/>
           </a:p>
@@ -2827,7 +2827,7 @@
           <a:p>
             <a:fld id="{24A32483-3E88-4A87-96FF-B254A1CB4DE5}" type="datetimeFigureOut">
               <a:rPr lang="en-IN" smtClean="0"/>
-              <a:t>01-02-2024</a:t>
+              <a:t>05-02-2024</a:t>
             </a:fld>
             <a:endParaRPr lang="en-IN" dirty="0"/>
           </a:p>
@@ -3140,7 +3140,7 @@
           <a:p>
             <a:fld id="{24A32483-3E88-4A87-96FF-B254A1CB4DE5}" type="datetimeFigureOut">
               <a:rPr lang="en-IN" smtClean="0"/>
-              <a:t>01-02-2024</a:t>
+              <a:t>05-02-2024</a:t>
             </a:fld>
             <a:endParaRPr lang="en-IN" dirty="0"/>
           </a:p>
@@ -3429,7 +3429,7 @@
           <a:p>
             <a:fld id="{24A32483-3E88-4A87-96FF-B254A1CB4DE5}" type="datetimeFigureOut">
               <a:rPr lang="en-IN" smtClean="0"/>
-              <a:t>01-02-2024</a:t>
+              <a:t>05-02-2024</a:t>
             </a:fld>
             <a:endParaRPr lang="en-IN" dirty="0"/>
           </a:p>
@@ -3672,7 +3672,7 @@
           <a:p>
             <a:fld id="{24A32483-3E88-4A87-96FF-B254A1CB4DE5}" type="datetimeFigureOut">
               <a:rPr lang="en-IN" smtClean="0"/>
-              <a:t>01-02-2024</a:t>
+              <a:t>05-02-2024</a:t>
             </a:fld>
             <a:endParaRPr lang="en-IN" dirty="0"/>
           </a:p>
@@ -4172,6 +4172,18 @@
   <p:clrMapOvr>
     <a:masterClrMapping/>
   </p:clrMapOvr>
+  <mc:AlternateContent xmlns:mc="http://schemas.openxmlformats.org/markup-compatibility/2006">
+    <mc:Choice xmlns:p14="http://schemas.microsoft.com/office/powerpoint/2010/main" Requires="p14">
+      <p:transition spd="med" p14:dur="700">
+        <p:fade/>
+      </p:transition>
+    </mc:Choice>
+    <mc:Fallback>
+      <p:transition spd="med">
+        <p:fade/>
+      </p:transition>
+    </mc:Fallback>
+  </mc:AlternateContent>
 </p:sld>
 </file>
 
@@ -4206,7 +4218,7 @@
         </p:nvSpPr>
         <p:spPr>
           <a:xfrm>
-            <a:off x="7532716" y="0"/>
+            <a:off x="0" y="-1"/>
             <a:ext cx="12192000" cy="1015663"/>
           </a:xfrm>
           <a:prstGeom prst="rect">
@@ -4220,13 +4232,14 @@
           </a:bodyPr>
           <a:lstStyle/>
           <a:p>
-            <a:r>
-              <a:rPr lang="en-US" sz="6000" dirty="0">
+            <a:pPr algn="ctr"/>
+            <a:r>
+              <a:rPr lang="en-US" sz="6000" b="1" dirty="0">
                 <a:latin typeface="The Hand Black" panose="03070902030502020204" pitchFamily="66" charset="0"/>
               </a:rPr>
               <a:t>Summary</a:t>
             </a:r>
-            <a:endParaRPr lang="en-IN" sz="6000" dirty="0">
+            <a:endParaRPr lang="en-IN" sz="6000" b="1" dirty="0">
               <a:latin typeface="The Hand Black" panose="03070902030502020204" pitchFamily="66" charset="0"/>
             </a:endParaRPr>
           </a:p>
@@ -4246,8 +4259,8 @@
         </p:nvSpPr>
         <p:spPr>
           <a:xfrm>
-            <a:off x="625187" y="1260287"/>
-            <a:ext cx="9987395" cy="1631216"/>
+            <a:off x="406387" y="1791315"/>
+            <a:ext cx="11150874" cy="1631216"/>
           </a:xfrm>
           <a:prstGeom prst="rect">
             <a:avLst/>
@@ -4308,7 +4321,7 @@
         </p:nvSpPr>
         <p:spPr>
           <a:xfrm>
-            <a:off x="349826" y="692497"/>
+            <a:off x="406387" y="1144984"/>
             <a:ext cx="5562600" cy="646331"/>
           </a:xfrm>
           <a:prstGeom prst="rect">
@@ -4348,7 +4361,7 @@
         </p:nvSpPr>
         <p:spPr>
           <a:xfrm>
-            <a:off x="349826" y="3136127"/>
+            <a:off x="406387" y="3588614"/>
             <a:ext cx="6362701" cy="646331"/>
           </a:xfrm>
           <a:prstGeom prst="rect">
@@ -4388,8 +4401,8 @@
         </p:nvSpPr>
         <p:spPr>
           <a:xfrm>
-            <a:off x="1929247" y="3912686"/>
-            <a:ext cx="9010302" cy="1631216"/>
+            <a:off x="406386" y="4340444"/>
+            <a:ext cx="11150875" cy="1323439"/>
           </a:xfrm>
           <a:prstGeom prst="rect">
             <a:avLst/>
@@ -4425,6 +4438,18 @@
   <p:clrMapOvr>
     <a:masterClrMapping/>
   </p:clrMapOvr>
+  <mc:AlternateContent xmlns:mc="http://schemas.openxmlformats.org/markup-compatibility/2006">
+    <mc:Choice xmlns:p14="http://schemas.microsoft.com/office/powerpoint/2010/main" Requires="p14">
+      <p:transition spd="med" p14:dur="700">
+        <p:fade/>
+      </p:transition>
+    </mc:Choice>
+    <mc:Fallback>
+      <p:transition spd="med">
+        <p:fade/>
+      </p:transition>
+    </mc:Fallback>
+  </mc:AlternateContent>
 </p:sld>
 </file>
 
@@ -4459,8 +4484,8 @@
         </p:nvSpPr>
         <p:spPr>
           <a:xfrm>
-            <a:off x="217193" y="164149"/>
-            <a:ext cx="11492967" cy="646331"/>
+            <a:off x="380176" y="505705"/>
+            <a:ext cx="11279426" cy="646331"/>
           </a:xfrm>
           <a:prstGeom prst="rect">
             <a:avLst/>
@@ -4499,8 +4524,8 @@
         </p:nvSpPr>
         <p:spPr>
           <a:xfrm>
-            <a:off x="388757" y="1078813"/>
-            <a:ext cx="10781159" cy="3170099"/>
+            <a:off x="380176" y="1309890"/>
+            <a:ext cx="11279426" cy="3170099"/>
           </a:xfrm>
           <a:prstGeom prst="rect">
             <a:avLst/>
@@ -4561,8 +4586,8 @@
         </p:nvSpPr>
         <p:spPr>
           <a:xfrm>
-            <a:off x="191640" y="4517245"/>
-            <a:ext cx="10978276" cy="646331"/>
+            <a:off x="380176" y="4515295"/>
+            <a:ext cx="11279426" cy="646331"/>
           </a:xfrm>
           <a:prstGeom prst="rect">
             <a:avLst/>
@@ -4601,7 +4626,7 @@
         </p:nvSpPr>
         <p:spPr>
           <a:xfrm>
-            <a:off x="542069" y="5362262"/>
+            <a:off x="380176" y="5196932"/>
             <a:ext cx="11279426" cy="1015663"/>
           </a:xfrm>
           <a:prstGeom prst="rect">
@@ -4638,6 +4663,18 @@
   <p:clrMapOvr>
     <a:masterClrMapping/>
   </p:clrMapOvr>
+  <mc:AlternateContent xmlns:mc="http://schemas.openxmlformats.org/markup-compatibility/2006">
+    <mc:Choice xmlns:p14="http://schemas.microsoft.com/office/powerpoint/2010/main" Requires="p14">
+      <p:transition spd="med" p14:dur="700">
+        <p:fade/>
+      </p:transition>
+    </mc:Choice>
+    <mc:Fallback>
+      <p:transition spd="med">
+        <p:fade/>
+      </p:transition>
+    </mc:Fallback>
+  </mc:AlternateContent>
 </p:sld>
 </file>
 
@@ -4712,7 +4749,7 @@
         </p:nvSpPr>
         <p:spPr>
           <a:xfrm>
-            <a:off x="585872" y="1916408"/>
+            <a:off x="426172" y="1351508"/>
             <a:ext cx="11339655" cy="4154984"/>
           </a:xfrm>
           <a:prstGeom prst="rect">
@@ -4786,6 +4823,18 @@
   <p:clrMapOvr>
     <a:masterClrMapping/>
   </p:clrMapOvr>
+  <mc:AlternateContent xmlns:mc="http://schemas.openxmlformats.org/markup-compatibility/2006">
+    <mc:Choice xmlns:p14="http://schemas.microsoft.com/office/powerpoint/2010/main" Requires="p14">
+      <p:transition spd="med" p14:dur="700">
+        <p:fade/>
+      </p:transition>
+    </mc:Choice>
+    <mc:Fallback>
+      <p:transition spd="med">
+        <p:fade/>
+      </p:transition>
+    </mc:Fallback>
+  </mc:AlternateContent>
 </p:sld>
 </file>
 
@@ -4821,7 +4870,7 @@
         <p:spPr>
           <a:xfrm>
             <a:off x="2723697" y="1259586"/>
-            <a:ext cx="5283808" cy="707886"/>
+            <a:ext cx="5283808" cy="584775"/>
           </a:xfrm>
           <a:prstGeom prst="rect">
             <a:avLst/>
@@ -4835,13 +4884,13 @@
           <a:lstStyle/>
           <a:p>
             <a:r>
-              <a:rPr lang="en-US" sz="4000" u="sng" dirty="0">
+              <a:rPr lang="en-US" sz="3200" u="sng" dirty="0">
                 <a:latin typeface="The Hand Black" panose="03070902030502020204" pitchFamily="66" charset="0"/>
                 <a:cs typeface="Dreaming Outloud Pro" panose="03050502040302030504" pitchFamily="66" charset="0"/>
               </a:rPr>
               <a:t>- Sri Aurobindo</a:t>
             </a:r>
-            <a:endParaRPr lang="en-IN" sz="4000" u="sng" dirty="0">
+            <a:endParaRPr lang="en-IN" sz="3200" u="sng" dirty="0">
               <a:latin typeface="The Hand Black" panose="03070902030502020204" pitchFamily="66" charset="0"/>
               <a:cs typeface="Dreaming Outloud Pro" panose="03050502040302030504" pitchFamily="66" charset="0"/>
             </a:endParaRPr>
@@ -5145,7 +5194,7 @@
         </p:nvSpPr>
         <p:spPr>
           <a:xfrm>
-            <a:off x="5480859" y="466979"/>
+            <a:off x="5365601" y="466979"/>
             <a:ext cx="5630488" cy="707886"/>
           </a:xfrm>
           <a:prstGeom prst="rect">
@@ -5280,6 +5329,18 @@
   <p:clrMapOvr>
     <a:masterClrMapping/>
   </p:clrMapOvr>
+  <mc:AlternateContent xmlns:mc="http://schemas.openxmlformats.org/markup-compatibility/2006">
+    <mc:Choice xmlns:p14="http://schemas.microsoft.com/office/powerpoint/2010/main" Requires="p14">
+      <p:transition spd="med" p14:dur="700">
+        <p:fade/>
+      </p:transition>
+    </mc:Choice>
+    <mc:Fallback>
+      <p:transition spd="med">
+        <p:fade/>
+      </p:transition>
+    </mc:Fallback>
+  </mc:AlternateContent>
 </p:sld>
 </file>
 
@@ -5492,6 +5553,18 @@
   <p:clrMapOvr>
     <a:masterClrMapping/>
   </p:clrMapOvr>
+  <mc:AlternateContent xmlns:mc="http://schemas.openxmlformats.org/markup-compatibility/2006">
+    <mc:Choice xmlns:p14="http://schemas.microsoft.com/office/powerpoint/2010/main" Requires="p14">
+      <p:transition spd="med" p14:dur="700">
+        <p:fade/>
+      </p:transition>
+    </mc:Choice>
+    <mc:Fallback>
+      <p:transition spd="med">
+        <p:fade/>
+      </p:transition>
+    </mc:Fallback>
+  </mc:AlternateContent>
 </p:sld>
 </file>
 
@@ -5526,8 +5599,8 @@
         </p:nvSpPr>
         <p:spPr>
           <a:xfrm>
-            <a:off x="773863" y="2998113"/>
-            <a:ext cx="10644274" cy="861774"/>
+            <a:off x="3838713" y="2705725"/>
+            <a:ext cx="4514574" cy="1446550"/>
           </a:xfrm>
           <a:prstGeom prst="rect">
             <a:avLst/>
@@ -5542,12 +5615,12 @@
           <a:p>
             <a:pPr algn="ctr"/>
             <a:r>
-              <a:rPr lang="en-US" sz="5000" dirty="0">
+              <a:rPr lang="en-US" sz="8800" dirty="0">
                 <a:latin typeface="Alasassy Caps" pitchFamily="2" charset="0"/>
               </a:rPr>
               <a:t>Thank you</a:t>
             </a:r>
-            <a:endParaRPr lang="en-IN" sz="5000" dirty="0">
+            <a:endParaRPr lang="en-IN" sz="8800" dirty="0">
               <a:latin typeface="Alasassy Caps" pitchFamily="2" charset="0"/>
             </a:endParaRPr>
           </a:p>
@@ -5563,6 +5636,18 @@
   <p:clrMapOvr>
     <a:masterClrMapping/>
   </p:clrMapOvr>
+  <mc:AlternateContent xmlns:mc="http://schemas.openxmlformats.org/markup-compatibility/2006">
+    <mc:Choice xmlns:p14="http://schemas.microsoft.com/office/powerpoint/2010/main" Requires="p14">
+      <p:transition spd="slow" p14:dur="2000">
+        <p:pull/>
+      </p:transition>
+    </mc:Choice>
+    <mc:Fallback>
+      <p:transition spd="slow">
+        <p:pull/>
+      </p:transition>
+    </mc:Fallback>
+  </mc:AlternateContent>
 </p:sld>
 </file>
 
